--- a/LateX/Presentation/Copy-Ανιχνευση μη τεχνικων απωλειων με συστηματα μηχανικης μαθησης.pptx
+++ b/LateX/Presentation/Copy-Ανιχνευση μη τεχνικων απωλειων με συστηματα μηχανικης μαθησης.pptx
@@ -376,7 +376,7 @@
             <a:fld id="{B61BEF0D-F0BB-DE4B-95CE-6DB70DBA9567}" type="datetimeFigureOut">
               <a:rPr lang="en-US" dirty="0"/>
               <a:pPr/>
-              <a:t>10/19/2017</a:t>
+              <a:t>10/20/2017</a:t>
             </a:fld>
             <a:endParaRPr lang="en-US" dirty="0"/>
           </a:p>
@@ -635,7 +635,7 @@
             <a:fld id="{B61BEF0D-F0BB-DE4B-95CE-6DB70DBA9567}" type="datetimeFigureOut">
               <a:rPr lang="en-US" dirty="0"/>
               <a:pPr/>
-              <a:t>10/19/2017</a:t>
+              <a:t>10/20/2017</a:t>
             </a:fld>
             <a:endParaRPr lang="en-US" dirty="0"/>
           </a:p>
@@ -867,7 +867,7 @@
             <a:fld id="{B61BEF0D-F0BB-DE4B-95CE-6DB70DBA9567}" type="datetimeFigureOut">
               <a:rPr lang="en-US" dirty="0"/>
               <a:pPr/>
-              <a:t>10/19/2017</a:t>
+              <a:t>10/20/2017</a:t>
             </a:fld>
             <a:endParaRPr lang="en-US" dirty="0"/>
           </a:p>
@@ -1104,7 +1104,7 @@
             <a:fld id="{B61BEF0D-F0BB-DE4B-95CE-6DB70DBA9567}" type="datetimeFigureOut">
               <a:rPr lang="en-US" dirty="0"/>
               <a:pPr/>
-              <a:t>10/19/2017</a:t>
+              <a:t>10/20/2017</a:t>
             </a:fld>
             <a:endParaRPr lang="en-US" dirty="0"/>
           </a:p>
@@ -1408,7 +1408,7 @@
             <a:fld id="{B61BEF0D-F0BB-DE4B-95CE-6DB70DBA9567}" type="datetimeFigureOut">
               <a:rPr lang="en-US" dirty="0"/>
               <a:pPr/>
-              <a:t>10/19/2017</a:t>
+              <a:t>10/20/2017</a:t>
             </a:fld>
             <a:endParaRPr lang="en-US" dirty="0"/>
           </a:p>
@@ -1707,7 +1707,7 @@
             <a:fld id="{B61BEF0D-F0BB-DE4B-95CE-6DB70DBA9567}" type="datetimeFigureOut">
               <a:rPr lang="en-US" dirty="0"/>
               <a:pPr/>
-              <a:t>10/19/2017</a:t>
+              <a:t>10/20/2017</a:t>
             </a:fld>
             <a:endParaRPr lang="en-US" dirty="0"/>
           </a:p>
@@ -2126,7 +2126,7 @@
             <a:fld id="{B61BEF0D-F0BB-DE4B-95CE-6DB70DBA9567}" type="datetimeFigureOut">
               <a:rPr lang="en-US" dirty="0"/>
               <a:pPr/>
-              <a:t>10/19/2017</a:t>
+              <a:t>10/20/2017</a:t>
             </a:fld>
             <a:endParaRPr lang="en-US" dirty="0"/>
           </a:p>
@@ -2285,7 +2285,7 @@
             <a:fld id="{B61BEF0D-F0BB-DE4B-95CE-6DB70DBA9567}" type="datetimeFigureOut">
               <a:rPr lang="en-US" dirty="0"/>
               <a:pPr/>
-              <a:t>10/19/2017</a:t>
+              <a:t>10/20/2017</a:t>
             </a:fld>
             <a:endParaRPr lang="en-US" dirty="0"/>
           </a:p>
@@ -2377,7 +2377,7 @@
             <a:fld id="{B61BEF0D-F0BB-DE4B-95CE-6DB70DBA9567}" type="datetimeFigureOut">
               <a:rPr lang="en-US" dirty="0"/>
               <a:pPr/>
-              <a:t>10/19/2017</a:t>
+              <a:t>10/20/2017</a:t>
             </a:fld>
             <a:endParaRPr lang="en-US" dirty="0"/>
           </a:p>
@@ -2752,7 +2752,7 @@
             <a:fld id="{B61BEF0D-F0BB-DE4B-95CE-6DB70DBA9567}" type="datetimeFigureOut">
               <a:rPr lang="en-US" dirty="0"/>
               <a:pPr/>
-              <a:t>10/19/2017</a:t>
+              <a:t>10/20/2017</a:t>
             </a:fld>
             <a:endParaRPr lang="en-US" dirty="0"/>
           </a:p>
@@ -3038,7 +3038,7 @@
             <a:fld id="{B61BEF0D-F0BB-DE4B-95CE-6DB70DBA9567}" type="datetimeFigureOut">
               <a:rPr lang="en-US" dirty="0"/>
               <a:pPr/>
-              <a:t>10/19/2017</a:t>
+              <a:t>10/20/2017</a:t>
             </a:fld>
             <a:endParaRPr lang="en-US" dirty="0"/>
           </a:p>
@@ -3246,7 +3246,7 @@
             <a:fld id="{B61BEF0D-F0BB-DE4B-95CE-6DB70DBA9567}" type="datetimeFigureOut">
               <a:rPr lang="en-US" dirty="0"/>
               <a:pPr/>
-              <a:t>10/19/2017</a:t>
+              <a:t>10/20/2017</a:t>
             </a:fld>
             <a:endParaRPr lang="en-US" dirty="0"/>
           </a:p>
@@ -5208,7 +5208,7 @@
             <a:pPr algn="ctr"/>
             <a:r>
               <a:rPr lang="el-GR" dirty="0" smtClean="0"/>
-              <a:t>Αποτελεσματα μη επιβλεπομενου αλγοριθμου ως προς την μεταβολη τησ ενταση</a:t>
+              <a:t>Αποτελεσματα μη επιβλεπομενου αλγοριθμου ως προς την μεταβολη τησ εντασηΣ</a:t>
             </a:r>
             <a:endParaRPr lang="el-GR" dirty="0"/>
           </a:p>
@@ -8953,6 +8953,16 @@
             <a:r>
               <a:rPr lang="el-GR" dirty="0" smtClean="0"/>
               <a:t>Ταξινόμηση βάσει πρόβλεψης μελλοντικής χρονοσειράς</a:t>
+            </a:r>
+          </a:p>
+          <a:p>
+            <a:r>
+              <a:rPr lang="el-GR" dirty="0"/>
+              <a:t>Επιτάχυνση συστημάτων με πολυπύρηνο </a:t>
+            </a:r>
+            <a:r>
+              <a:rPr lang="el-GR" dirty="0" smtClean="0"/>
+              <a:t>προγραμματισμό</a:t>
             </a:r>
             <a:endParaRPr lang="el-GR" dirty="0"/>
           </a:p>

--- a/LateX/Presentation/Copy-Ανιχνευση μη τεχνικων απωλειων με συστηματα μηχανικης μαθησης.pptx
+++ b/LateX/Presentation/Copy-Ανιχνευση μη τεχνικων απωλειων με συστηματα μηχανικης μαθησης.pptx
@@ -376,7 +376,7 @@
             <a:fld id="{B61BEF0D-F0BB-DE4B-95CE-6DB70DBA9567}" type="datetimeFigureOut">
               <a:rPr lang="en-US" dirty="0"/>
               <a:pPr/>
-              <a:t>10/20/2017</a:t>
+              <a:t>10/22/2017</a:t>
             </a:fld>
             <a:endParaRPr lang="en-US" dirty="0"/>
           </a:p>
@@ -635,7 +635,7 @@
             <a:fld id="{B61BEF0D-F0BB-DE4B-95CE-6DB70DBA9567}" type="datetimeFigureOut">
               <a:rPr lang="en-US" dirty="0"/>
               <a:pPr/>
-              <a:t>10/20/2017</a:t>
+              <a:t>10/22/2017</a:t>
             </a:fld>
             <a:endParaRPr lang="en-US" dirty="0"/>
           </a:p>
@@ -867,7 +867,7 @@
             <a:fld id="{B61BEF0D-F0BB-DE4B-95CE-6DB70DBA9567}" type="datetimeFigureOut">
               <a:rPr lang="en-US" dirty="0"/>
               <a:pPr/>
-              <a:t>10/20/2017</a:t>
+              <a:t>10/22/2017</a:t>
             </a:fld>
             <a:endParaRPr lang="en-US" dirty="0"/>
           </a:p>
@@ -1104,7 +1104,7 @@
             <a:fld id="{B61BEF0D-F0BB-DE4B-95CE-6DB70DBA9567}" type="datetimeFigureOut">
               <a:rPr lang="en-US" dirty="0"/>
               <a:pPr/>
-              <a:t>10/20/2017</a:t>
+              <a:t>10/22/2017</a:t>
             </a:fld>
             <a:endParaRPr lang="en-US" dirty="0"/>
           </a:p>
@@ -1408,7 +1408,7 @@
             <a:fld id="{B61BEF0D-F0BB-DE4B-95CE-6DB70DBA9567}" type="datetimeFigureOut">
               <a:rPr lang="en-US" dirty="0"/>
               <a:pPr/>
-              <a:t>10/20/2017</a:t>
+              <a:t>10/22/2017</a:t>
             </a:fld>
             <a:endParaRPr lang="en-US" dirty="0"/>
           </a:p>
@@ -1707,7 +1707,7 @@
             <a:fld id="{B61BEF0D-F0BB-DE4B-95CE-6DB70DBA9567}" type="datetimeFigureOut">
               <a:rPr lang="en-US" dirty="0"/>
               <a:pPr/>
-              <a:t>10/20/2017</a:t>
+              <a:t>10/22/2017</a:t>
             </a:fld>
             <a:endParaRPr lang="en-US" dirty="0"/>
           </a:p>
@@ -2126,7 +2126,7 @@
             <a:fld id="{B61BEF0D-F0BB-DE4B-95CE-6DB70DBA9567}" type="datetimeFigureOut">
               <a:rPr lang="en-US" dirty="0"/>
               <a:pPr/>
-              <a:t>10/20/2017</a:t>
+              <a:t>10/22/2017</a:t>
             </a:fld>
             <a:endParaRPr lang="en-US" dirty="0"/>
           </a:p>
@@ -2285,7 +2285,7 @@
             <a:fld id="{B61BEF0D-F0BB-DE4B-95CE-6DB70DBA9567}" type="datetimeFigureOut">
               <a:rPr lang="en-US" dirty="0"/>
               <a:pPr/>
-              <a:t>10/20/2017</a:t>
+              <a:t>10/22/2017</a:t>
             </a:fld>
             <a:endParaRPr lang="en-US" dirty="0"/>
           </a:p>
@@ -2377,7 +2377,7 @@
             <a:fld id="{B61BEF0D-F0BB-DE4B-95CE-6DB70DBA9567}" type="datetimeFigureOut">
               <a:rPr lang="en-US" dirty="0"/>
               <a:pPr/>
-              <a:t>10/20/2017</a:t>
+              <a:t>10/22/2017</a:t>
             </a:fld>
             <a:endParaRPr lang="en-US" dirty="0"/>
           </a:p>
@@ -2752,7 +2752,7 @@
             <a:fld id="{B61BEF0D-F0BB-DE4B-95CE-6DB70DBA9567}" type="datetimeFigureOut">
               <a:rPr lang="en-US" dirty="0"/>
               <a:pPr/>
-              <a:t>10/20/2017</a:t>
+              <a:t>10/22/2017</a:t>
             </a:fld>
             <a:endParaRPr lang="en-US" dirty="0"/>
           </a:p>
@@ -3038,7 +3038,7 @@
             <a:fld id="{B61BEF0D-F0BB-DE4B-95CE-6DB70DBA9567}" type="datetimeFigureOut">
               <a:rPr lang="en-US" dirty="0"/>
               <a:pPr/>
-              <a:t>10/20/2017</a:t>
+              <a:t>10/22/2017</a:t>
             </a:fld>
             <a:endParaRPr lang="en-US" dirty="0"/>
           </a:p>
@@ -3246,7 +3246,7 @@
             <a:fld id="{B61BEF0D-F0BB-DE4B-95CE-6DB70DBA9567}" type="datetimeFigureOut">
               <a:rPr lang="en-US" dirty="0"/>
               <a:pPr/>
-              <a:t>10/20/2017</a:t>
+              <a:t>10/22/2017</a:t>
             </a:fld>
             <a:endParaRPr lang="en-US" dirty="0"/>
           </a:p>
@@ -3942,7 +3942,12 @@
             <p:ph type="title"/>
           </p:nvPr>
         </p:nvSpPr>
-        <p:spPr/>
+        <p:spPr>
+          <a:xfrm>
+            <a:off x="687728" y="876167"/>
+            <a:ext cx="11029616" cy="591504"/>
+          </a:xfrm>
+        </p:spPr>
         <p:txBody>
           <a:bodyPr/>
           <a:lstStyle/>
@@ -4973,7 +4978,12 @@
             <p:ph type="title"/>
           </p:nvPr>
         </p:nvSpPr>
-        <p:spPr/>
+        <p:spPr>
+          <a:xfrm>
+            <a:off x="673608" y="752825"/>
+            <a:ext cx="11029616" cy="728639"/>
+          </a:xfrm>
+        </p:spPr>
         <p:txBody>
           <a:bodyPr/>
           <a:lstStyle/>
@@ -6619,7 +6629,12 @@
             <p:ph type="title"/>
           </p:nvPr>
         </p:nvSpPr>
-        <p:spPr/>
+        <p:spPr>
+          <a:xfrm>
+            <a:off x="581193" y="824460"/>
+            <a:ext cx="11029616" cy="653688"/>
+          </a:xfrm>
+        </p:spPr>
         <p:txBody>
           <a:bodyPr/>
           <a:lstStyle/>
@@ -7087,7 +7102,12 @@
             <p:ph type="title"/>
           </p:nvPr>
         </p:nvSpPr>
-        <p:spPr/>
+        <p:spPr>
+          <a:xfrm>
+            <a:off x="581193" y="790977"/>
+            <a:ext cx="11029616" cy="668679"/>
+          </a:xfrm>
+        </p:spPr>
         <p:txBody>
           <a:bodyPr/>
           <a:lstStyle/>
@@ -8952,19 +8972,13 @@
           <a:p>
             <a:r>
               <a:rPr lang="el-GR" dirty="0" smtClean="0"/>
-              <a:t>Ταξινόμηση βάσει πρόβλεψης μελλοντικής χρονοσειράς</a:t>
-            </a:r>
-          </a:p>
-          <a:p>
-            <a:r>
-              <a:rPr lang="el-GR" dirty="0"/>
-              <a:t>Επιτάχυνση συστημάτων με πολυπύρηνο </a:t>
+              <a:t>Ταξινόμηση βάσει πρόβλεψης μελλοντικής </a:t>
             </a:r>
             <a:r>
               <a:rPr lang="el-GR" dirty="0" smtClean="0"/>
-              <a:t>προγραμματισμό</a:t>
-            </a:r>
-            <a:endParaRPr lang="el-GR" dirty="0"/>
+              <a:t>χρονοσειράς</a:t>
+            </a:r>
+            <a:endParaRPr lang="el-GR" dirty="0" smtClean="0"/>
           </a:p>
         </p:txBody>
       </p:sp>
@@ -9409,7 +9423,12 @@
             <p:ph sz="half" idx="2"/>
           </p:nvPr>
         </p:nvSpPr>
-        <p:spPr/>
+        <p:spPr>
+          <a:xfrm>
+            <a:off x="6188417" y="3200400"/>
+            <a:ext cx="5422392" cy="2660650"/>
+          </a:xfrm>
+        </p:spPr>
         <p:txBody>
           <a:bodyPr>
             <a:normAutofit/>
@@ -10361,6 +10380,247 @@
             <a:r>
               <a:rPr lang="el-GR" sz="2400" dirty="0" smtClean="0"/>
               <a:t>Διαφυγόντα έσοδα βάσει ΡΑΕ</a:t>
+            </a:r>
+            <a:endParaRPr lang="el-GR" sz="2400" dirty="0"/>
+          </a:p>
+        </p:txBody>
+      </p:sp>
+      <p:sp>
+        <p:nvSpPr>
+          <p:cNvPr id="11" name="Content Placeholder 4"/>
+          <p:cNvSpPr txBox="1">
+            <a:spLocks/>
+          </p:cNvSpPr>
+          <p:nvPr/>
+        </p:nvSpPr>
+        <p:spPr>
+          <a:xfrm>
+            <a:off x="6096001" y="3076320"/>
+            <a:ext cx="4102662" cy="248159"/>
+          </a:xfrm>
+          <a:prstGeom prst="rect">
+            <a:avLst/>
+          </a:prstGeom>
+        </p:spPr>
+        <p:txBody>
+          <a:bodyPr vert="horz" lIns="91440" tIns="45720" rIns="91440" bIns="45720" rtlCol="0" anchor="ctr">
+            <a:noAutofit/>
+          </a:bodyPr>
+          <a:lstStyle>
+            <a:lvl1pPr marL="306000" indent="-306000" algn="l" defTabSz="457200" rtl="0" eaLnBrk="1" latinLnBrk="0" hangingPunct="1">
+              <a:spcBef>
+                <a:spcPct val="20000"/>
+              </a:spcBef>
+              <a:spcAft>
+                <a:spcPts val="600"/>
+              </a:spcAft>
+              <a:buClr>
+                <a:schemeClr val="accent2"/>
+              </a:buClr>
+              <a:buSzPct val="92000"/>
+              <a:buFont typeface="Wingdings 2" panose="05020102010507070707" pitchFamily="18" charset="2"/>
+              <a:buChar char=""/>
+              <a:defRPr sz="1800" kern="1200">
+                <a:solidFill>
+                  <a:schemeClr val="tx2"/>
+                </a:solidFill>
+                <a:latin typeface="+mn-lt"/>
+                <a:ea typeface="+mn-ea"/>
+                <a:cs typeface="+mn-cs"/>
+              </a:defRPr>
+            </a:lvl1pPr>
+            <a:lvl2pPr marL="630000" indent="-306000" algn="l" defTabSz="457200" rtl="0" eaLnBrk="1" latinLnBrk="0" hangingPunct="1">
+              <a:spcBef>
+                <a:spcPct val="20000"/>
+              </a:spcBef>
+              <a:spcAft>
+                <a:spcPts val="600"/>
+              </a:spcAft>
+              <a:buClr>
+                <a:schemeClr val="accent2"/>
+              </a:buClr>
+              <a:buSzPct val="92000"/>
+              <a:buFont typeface="Wingdings 2" panose="05020102010507070707" pitchFamily="18" charset="2"/>
+              <a:buChar char=""/>
+              <a:defRPr sz="1600" kern="1200">
+                <a:solidFill>
+                  <a:schemeClr val="tx2"/>
+                </a:solidFill>
+                <a:latin typeface="+mn-lt"/>
+                <a:ea typeface="+mn-ea"/>
+                <a:cs typeface="+mn-cs"/>
+              </a:defRPr>
+            </a:lvl2pPr>
+            <a:lvl3pPr marL="900000" indent="-270000" algn="l" defTabSz="457200" rtl="0" eaLnBrk="1" latinLnBrk="0" hangingPunct="1">
+              <a:spcBef>
+                <a:spcPct val="20000"/>
+              </a:spcBef>
+              <a:spcAft>
+                <a:spcPts val="600"/>
+              </a:spcAft>
+              <a:buClr>
+                <a:schemeClr val="accent2"/>
+              </a:buClr>
+              <a:buSzPct val="92000"/>
+              <a:buFont typeface="Wingdings 2" panose="05020102010507070707" pitchFamily="18" charset="2"/>
+              <a:buChar char=""/>
+              <a:defRPr sz="1400" kern="1200">
+                <a:solidFill>
+                  <a:schemeClr val="tx2"/>
+                </a:solidFill>
+                <a:latin typeface="+mn-lt"/>
+                <a:ea typeface="+mn-ea"/>
+                <a:cs typeface="+mn-cs"/>
+              </a:defRPr>
+            </a:lvl3pPr>
+            <a:lvl4pPr marL="1242000" indent="-234000" algn="l" defTabSz="457200" rtl="0" eaLnBrk="1" latinLnBrk="0" hangingPunct="1">
+              <a:spcBef>
+                <a:spcPct val="20000"/>
+              </a:spcBef>
+              <a:spcAft>
+                <a:spcPts val="600"/>
+              </a:spcAft>
+              <a:buClr>
+                <a:schemeClr val="accent2"/>
+              </a:buClr>
+              <a:buSzPct val="92000"/>
+              <a:buFont typeface="Wingdings 2" panose="05020102010507070707" pitchFamily="18" charset="2"/>
+              <a:buChar char=""/>
+              <a:defRPr sz="1200" kern="1200">
+                <a:solidFill>
+                  <a:schemeClr val="tx2"/>
+                </a:solidFill>
+                <a:latin typeface="+mn-lt"/>
+                <a:ea typeface="+mn-ea"/>
+                <a:cs typeface="+mn-cs"/>
+              </a:defRPr>
+            </a:lvl4pPr>
+            <a:lvl5pPr marL="1602000" indent="-234000" algn="l" defTabSz="457200" rtl="0" eaLnBrk="1" latinLnBrk="0" hangingPunct="1">
+              <a:spcBef>
+                <a:spcPct val="20000"/>
+              </a:spcBef>
+              <a:spcAft>
+                <a:spcPts val="600"/>
+              </a:spcAft>
+              <a:buClr>
+                <a:schemeClr val="accent2"/>
+              </a:buClr>
+              <a:buSzPct val="92000"/>
+              <a:buFont typeface="Wingdings 2" panose="05020102010507070707" pitchFamily="18" charset="2"/>
+              <a:buChar char=""/>
+              <a:defRPr sz="1200" kern="1200">
+                <a:solidFill>
+                  <a:schemeClr val="tx2"/>
+                </a:solidFill>
+                <a:latin typeface="+mn-lt"/>
+                <a:ea typeface="+mn-ea"/>
+                <a:cs typeface="+mn-cs"/>
+              </a:defRPr>
+            </a:lvl5pPr>
+            <a:lvl6pPr marL="1900000" indent="-228600" algn="l" defTabSz="457200" rtl="0" eaLnBrk="1" latinLnBrk="0" hangingPunct="1">
+              <a:spcBef>
+                <a:spcPct val="20000"/>
+              </a:spcBef>
+              <a:spcAft>
+                <a:spcPts val="600"/>
+              </a:spcAft>
+              <a:buClr>
+                <a:schemeClr val="accent2"/>
+              </a:buClr>
+              <a:buSzPct val="92000"/>
+              <a:buFont typeface="Wingdings 2" panose="05020102010507070707" pitchFamily="18" charset="2"/>
+              <a:buChar char=""/>
+              <a:defRPr sz="1200" kern="1200">
+                <a:solidFill>
+                  <a:schemeClr val="tx2"/>
+                </a:solidFill>
+                <a:latin typeface="+mn-lt"/>
+                <a:ea typeface="+mn-ea"/>
+                <a:cs typeface="+mn-cs"/>
+              </a:defRPr>
+            </a:lvl6pPr>
+            <a:lvl7pPr marL="2200000" indent="-228600" algn="l" defTabSz="457200" rtl="0" eaLnBrk="1" latinLnBrk="0" hangingPunct="1">
+              <a:spcBef>
+                <a:spcPct val="20000"/>
+              </a:spcBef>
+              <a:spcAft>
+                <a:spcPts val="600"/>
+              </a:spcAft>
+              <a:buClr>
+                <a:schemeClr val="accent2"/>
+              </a:buClr>
+              <a:buSzPct val="92000"/>
+              <a:buFont typeface="Wingdings 2" panose="05020102010507070707" pitchFamily="18" charset="2"/>
+              <a:buChar char=""/>
+              <a:defRPr sz="1200" kern="1200">
+                <a:solidFill>
+                  <a:schemeClr val="tx2"/>
+                </a:solidFill>
+                <a:latin typeface="+mn-lt"/>
+                <a:ea typeface="+mn-ea"/>
+                <a:cs typeface="+mn-cs"/>
+              </a:defRPr>
+            </a:lvl7pPr>
+            <a:lvl8pPr marL="2500000" indent="-228600" algn="l" defTabSz="457200" rtl="0" eaLnBrk="1" latinLnBrk="0" hangingPunct="1">
+              <a:spcBef>
+                <a:spcPct val="20000"/>
+              </a:spcBef>
+              <a:spcAft>
+                <a:spcPts val="600"/>
+              </a:spcAft>
+              <a:buClr>
+                <a:schemeClr val="accent2"/>
+              </a:buClr>
+              <a:buSzPct val="92000"/>
+              <a:buFont typeface="Wingdings 2" panose="05020102010507070707" pitchFamily="18" charset="2"/>
+              <a:buChar char=""/>
+              <a:defRPr sz="1200" kern="1200">
+                <a:solidFill>
+                  <a:schemeClr val="tx2"/>
+                </a:solidFill>
+                <a:latin typeface="+mn-lt"/>
+                <a:ea typeface="+mn-ea"/>
+                <a:cs typeface="+mn-cs"/>
+              </a:defRPr>
+            </a:lvl8pPr>
+            <a:lvl9pPr marL="2800000" indent="-228600" algn="l" defTabSz="457200" rtl="0" eaLnBrk="1" latinLnBrk="0" hangingPunct="1">
+              <a:spcBef>
+                <a:spcPct val="20000"/>
+              </a:spcBef>
+              <a:spcAft>
+                <a:spcPts val="600"/>
+              </a:spcAft>
+              <a:buClr>
+                <a:schemeClr val="accent2"/>
+              </a:buClr>
+              <a:buSzPct val="92000"/>
+              <a:buFont typeface="Wingdings 2" panose="05020102010507070707" pitchFamily="18" charset="2"/>
+              <a:buChar char=""/>
+              <a:defRPr sz="1200" kern="1200">
+                <a:solidFill>
+                  <a:schemeClr val="tx2"/>
+                </a:solidFill>
+                <a:latin typeface="+mn-lt"/>
+                <a:ea typeface="+mn-ea"/>
+                <a:cs typeface="+mn-cs"/>
+              </a:defRPr>
+            </a:lvl9pPr>
+          </a:lstStyle>
+          <a:p>
+            <a:pPr marL="0" indent="0">
+              <a:buNone/>
+            </a:pPr>
+            <a:r>
+              <a:rPr lang="el-GR" sz="2400" dirty="0" smtClean="0"/>
+              <a:t>Τρόποι </a:t>
+            </a:r>
+            <a:r>
+              <a:rPr lang="el-GR" sz="2400" smtClean="0"/>
+              <a:t>ε</a:t>
+            </a:r>
+            <a:r>
+              <a:rPr lang="el-GR" sz="2400" smtClean="0"/>
+              <a:t>ξαπάτησης παρόχου:</a:t>
             </a:r>
             <a:endParaRPr lang="el-GR" sz="2400" dirty="0"/>
           </a:p>
@@ -10413,7 +10673,12 @@
             <p:ph type="title"/>
           </p:nvPr>
         </p:nvSpPr>
-        <p:spPr/>
+        <p:spPr>
+          <a:xfrm>
+            <a:off x="581191" y="839450"/>
+            <a:ext cx="11029616" cy="651654"/>
+          </a:xfrm>
+        </p:spPr>
         <p:txBody>
           <a:bodyPr/>
           <a:lstStyle/>
@@ -10890,7 +11155,12 @@
             <p:ph type="title"/>
           </p:nvPr>
         </p:nvSpPr>
-        <p:spPr/>
+        <p:spPr>
+          <a:xfrm>
+            <a:off x="581194" y="854439"/>
+            <a:ext cx="11029616" cy="698659"/>
+          </a:xfrm>
+        </p:spPr>
         <p:txBody>
           <a:bodyPr/>
           <a:lstStyle/>
@@ -12861,7 +13131,12 @@
             <p:ph type="title"/>
           </p:nvPr>
         </p:nvSpPr>
-        <p:spPr/>
+        <p:spPr>
+          <a:xfrm>
+            <a:off x="553695" y="867776"/>
+            <a:ext cx="11029616" cy="638698"/>
+          </a:xfrm>
+        </p:spPr>
         <p:txBody>
           <a:bodyPr/>
           <a:lstStyle/>
@@ -15672,7 +15947,12 @@
             <p:ph type="title"/>
           </p:nvPr>
         </p:nvSpPr>
-        <p:spPr/>
+        <p:spPr>
+          <a:xfrm>
+            <a:off x="611174" y="779489"/>
+            <a:ext cx="11029616" cy="638698"/>
+          </a:xfrm>
+        </p:spPr>
         <p:txBody>
           <a:bodyPr/>
           <a:lstStyle/>
